--- a/문서/제안서발표자료(수정중).pptx
+++ b/문서/제안서발표자료(수정중).pptx
@@ -27294,8 +27294,8 @@
           </p:nvSpPr>
           <p:spPr>
             <a:xfrm>
-              <a:off x="710830" y="3060042"/>
-              <a:ext cx="1704241" cy="980589"/>
+              <a:off x="710830" y="3273832"/>
+              <a:ext cx="1704241" cy="371192"/>
             </a:xfrm>
             <a:prstGeom prst="rect">
               <a:avLst/>
@@ -27330,60 +27330,7 @@
                   <a:latin typeface="맑은 고딕" panose="020B0503020000020004" pitchFamily="50" charset="-127"/>
                   <a:ea typeface="맑은 고딕" panose="020B0503020000020004" pitchFamily="50" charset="-127"/>
                 </a:rPr>
-                <a:t>프로젝트 주제 및 선정 배경</a:t>
-              </a:r>
-              <a:r>
-                <a:rPr lang="en-US" altLang="ko-KR" b="1" dirty="0">
-                  <a:ln>
-                    <a:solidFill>
-                      <a:schemeClr val="accent1">
-                        <a:shade val="15000"/>
-                        <a:alpha val="0"/>
-                      </a:schemeClr>
-                    </a:solidFill>
-                  </a:ln>
-                  <a:solidFill>
-                    <a:srgbClr val="3378C8"/>
-                  </a:solidFill>
-                  <a:latin typeface="맑은 고딕" panose="020B0503020000020004" pitchFamily="50" charset="-127"/>
-                  <a:ea typeface="맑은 고딕" panose="020B0503020000020004" pitchFamily="50" charset="-127"/>
-                </a:rPr>
-                <a:t>, </a:t>
-              </a:r>
-              <a:br>
-                <a:rPr lang="en-US" altLang="ko-KR" b="1" dirty="0">
-                  <a:ln>
-                    <a:solidFill>
-                      <a:schemeClr val="accent1">
-                        <a:shade val="15000"/>
-                        <a:alpha val="0"/>
-                      </a:schemeClr>
-                    </a:solidFill>
-                  </a:ln>
-                  <a:solidFill>
-                    <a:srgbClr val="3378C8"/>
-                  </a:solidFill>
-                  <a:latin typeface="맑은 고딕" panose="020B0503020000020004" pitchFamily="50" charset="-127"/>
-                  <a:ea typeface="맑은 고딕" panose="020B0503020000020004" pitchFamily="50" charset="-127"/>
-                </a:rPr>
-              </a:br>
-              <a:r>
-                <a:rPr lang="ko-KR" altLang="en-US" b="1" dirty="0">
-                  <a:ln>
-                    <a:solidFill>
-                      <a:schemeClr val="accent1">
-                        <a:shade val="15000"/>
-                        <a:alpha val="0"/>
-                      </a:schemeClr>
-                    </a:solidFill>
-                  </a:ln>
-                  <a:solidFill>
-                    <a:srgbClr val="3378C8"/>
-                  </a:solidFill>
-                  <a:latin typeface="맑은 고딕" panose="020B0503020000020004" pitchFamily="50" charset="-127"/>
-                  <a:ea typeface="맑은 고딕" panose="020B0503020000020004" pitchFamily="50" charset="-127"/>
-                </a:rPr>
-                <a:t>기획의도</a:t>
+                <a:t>프로젝트 주제</a:t>
               </a:r>
             </a:p>
           </p:txBody>
@@ -27676,7 +27623,7 @@
           <p:spPr>
             <a:xfrm>
               <a:off x="501797" y="4453027"/>
-              <a:ext cx="2122307" cy="904863"/>
+              <a:ext cx="2122307" cy="887615"/>
             </a:xfrm>
             <a:prstGeom prst="rect">
               <a:avLst/>
@@ -27696,7 +27643,7 @@
                 <a:defRPr/>
               </a:pPr>
               <a:r>
-                <a:rPr lang="ko-KR" altLang="en-US" sz="1200" b="1" dirty="0">
+                <a:rPr lang="en-US" altLang="ko-KR" sz="1200" dirty="0">
                   <a:ln>
                     <a:solidFill>
                       <a:schemeClr val="accent1">
@@ -27711,10 +27658,10 @@
                   <a:latin typeface="맑은 고딕" panose="020B0503020000020004" pitchFamily="50" charset="-127"/>
                   <a:ea typeface="맑은 고딕" panose="020B0503020000020004" pitchFamily="50" charset="-127"/>
                 </a:rPr>
-                <a:t>프로젝트 주제의</a:t>
+                <a:t>Html</a:t>
               </a:r>
-              <a:br>
-                <a:rPr lang="en-US" altLang="ko-KR" sz="1200" b="1" dirty="0">
+              <a:r>
+                <a:rPr lang="ko-KR" altLang="en-US" sz="1200" dirty="0">
                   <a:ln>
                     <a:solidFill>
                       <a:schemeClr val="accent1">
@@ -27729,9 +27676,33 @@
                   <a:latin typeface="맑은 고딕" panose="020B0503020000020004" pitchFamily="50" charset="-127"/>
                   <a:ea typeface="맑은 고딕" panose="020B0503020000020004" pitchFamily="50" charset="-127"/>
                 </a:rPr>
-              </a:br>
+                <a:t>을 이용한</a:t>
+              </a:r>
+              <a:endParaRPr lang="en-US" altLang="ko-KR" sz="1200" dirty="0">
+                <a:ln>
+                  <a:solidFill>
+                    <a:schemeClr val="accent1">
+                      <a:shade val="15000"/>
+                      <a:alpha val="0"/>
+                    </a:schemeClr>
+                  </a:solidFill>
+                </a:ln>
+                <a:solidFill>
+                  <a:srgbClr val="3378C8"/>
+                </a:solidFill>
+                <a:latin typeface="맑은 고딕" panose="020B0503020000020004" pitchFamily="50" charset="-127"/>
+                <a:ea typeface="맑은 고딕" panose="020B0503020000020004" pitchFamily="50" charset="-127"/>
+              </a:endParaRPr>
+            </a:p>
+            <a:p>
+              <a:pPr algn="ctr">
+                <a:lnSpc>
+                  <a:spcPct val="110000"/>
+                </a:lnSpc>
+                <a:defRPr/>
+              </a:pPr>
               <a:r>
-                <a:rPr lang="ko-KR" altLang="en-US" sz="1200" b="1" u="sng" dirty="0">
+                <a:rPr lang="ko-KR" altLang="en-US" sz="1200" dirty="0" err="1">
                   <a:ln>
                     <a:solidFill>
                       <a:schemeClr val="accent1">
@@ -27746,7 +27717,66 @@
                   <a:latin typeface="맑은 고딕" panose="020B0503020000020004" pitchFamily="50" charset="-127"/>
                   <a:ea typeface="맑은 고딕" panose="020B0503020000020004" pitchFamily="50" charset="-127"/>
                 </a:rPr>
-                <a:t>특화 포인트</a:t>
+                <a:t>종스크롤</a:t>
+              </a:r>
+              <a:r>
+                <a:rPr lang="ko-KR" altLang="en-US" sz="1200" dirty="0">
+                  <a:ln>
+                    <a:solidFill>
+                      <a:schemeClr val="accent1">
+                        <a:shade val="15000"/>
+                        <a:alpha val="0"/>
+                      </a:schemeClr>
+                    </a:solidFill>
+                  </a:ln>
+                  <a:solidFill>
+                    <a:srgbClr val="3378C8"/>
+                  </a:solidFill>
+                  <a:latin typeface="맑은 고딕" panose="020B0503020000020004" pitchFamily="50" charset="-127"/>
+                  <a:ea typeface="맑은 고딕" panose="020B0503020000020004" pitchFamily="50" charset="-127"/>
+                </a:rPr>
+                <a:t> 러닝 액션 슈팅</a:t>
+              </a:r>
+              <a:endParaRPr lang="en-US" altLang="ko-KR" sz="1200" dirty="0">
+                <a:ln>
+                  <a:solidFill>
+                    <a:schemeClr val="accent1">
+                      <a:shade val="15000"/>
+                      <a:alpha val="0"/>
+                    </a:schemeClr>
+                  </a:solidFill>
+                </a:ln>
+                <a:solidFill>
+                  <a:srgbClr val="3378C8"/>
+                </a:solidFill>
+                <a:latin typeface="맑은 고딕" panose="020B0503020000020004" pitchFamily="50" charset="-127"/>
+                <a:ea typeface="맑은 고딕" panose="020B0503020000020004" pitchFamily="50" charset="-127"/>
+              </a:endParaRPr>
+            </a:p>
+            <a:p>
+              <a:pPr algn="ctr">
+                <a:lnSpc>
+                  <a:spcPct val="110000"/>
+                </a:lnSpc>
+                <a:defRPr/>
+              </a:pPr>
+              <a:r>
+                <a:rPr lang="ko-KR" altLang="en-US" sz="1200" dirty="0">
+                  <a:ln>
+                    <a:solidFill>
+                      <a:schemeClr val="accent1">
+                        <a:shade val="15000"/>
+                        <a:alpha val="0"/>
+                      </a:schemeClr>
+                    </a:solidFill>
+                  </a:ln>
+                  <a:solidFill>
+                    <a:srgbClr val="3378C8"/>
+                  </a:solidFill>
+                  <a:latin typeface="맑은 고딕" panose="020B0503020000020004" pitchFamily="50" charset="-127"/>
+                  <a:ea typeface="맑은 고딕" panose="020B0503020000020004" pitchFamily="50" charset="-127"/>
+                </a:rPr>
+                <a:t>게임 </a:t>
               </a:r>
               <a:r>
                 <a:rPr lang="en-US" altLang="ko-KR" sz="1200" b="1" dirty="0">
@@ -27764,77 +27794,7 @@
                   <a:latin typeface="맑은 고딕" panose="020B0503020000020004" pitchFamily="50" charset="-127"/>
                   <a:ea typeface="맑은 고딕" panose="020B0503020000020004" pitchFamily="50" charset="-127"/>
                 </a:rPr>
-                <a:t>,</a:t>
-              </a:r>
-              <a:br>
-                <a:rPr lang="en-US" altLang="ko-KR" sz="1200" b="1" dirty="0">
-                  <a:ln>
-                    <a:solidFill>
-                      <a:schemeClr val="accent1">
-                        <a:shade val="15000"/>
-                        <a:alpha val="0"/>
-                      </a:schemeClr>
-                    </a:solidFill>
-                  </a:ln>
-                  <a:solidFill>
-                    <a:srgbClr val="3378C8"/>
-                  </a:solidFill>
-                  <a:latin typeface="맑은 고딕" panose="020B0503020000020004" pitchFamily="50" charset="-127"/>
-                  <a:ea typeface="맑은 고딕" panose="020B0503020000020004" pitchFamily="50" charset="-127"/>
-                </a:rPr>
-              </a:br>
-              <a:r>
-                <a:rPr lang="ko-KR" altLang="en-US" sz="1200" b="1" dirty="0">
-                  <a:ln>
-                    <a:solidFill>
-                      <a:schemeClr val="accent1">
-                        <a:shade val="15000"/>
-                        <a:alpha val="0"/>
-                      </a:schemeClr>
-                    </a:solidFill>
-                  </a:ln>
-                  <a:solidFill>
-                    <a:srgbClr val="3378C8"/>
-                  </a:solidFill>
-                  <a:latin typeface="맑은 고딕" panose="020B0503020000020004" pitchFamily="50" charset="-127"/>
-                  <a:ea typeface="맑은 고딕" panose="020B0503020000020004" pitchFamily="50" charset="-127"/>
-                </a:rPr>
-                <a:t>기존 유사 서비스와</a:t>
-              </a:r>
-              <a:br>
-                <a:rPr lang="en-US" altLang="ko-KR" sz="1200" b="1" dirty="0">
-                  <a:ln>
-                    <a:solidFill>
-                      <a:schemeClr val="accent1">
-                        <a:shade val="15000"/>
-                        <a:alpha val="0"/>
-                      </a:schemeClr>
-                    </a:solidFill>
-                  </a:ln>
-                  <a:solidFill>
-                    <a:srgbClr val="3378C8"/>
-                  </a:solidFill>
-                  <a:latin typeface="맑은 고딕" panose="020B0503020000020004" pitchFamily="50" charset="-127"/>
-                  <a:ea typeface="맑은 고딕" panose="020B0503020000020004" pitchFamily="50" charset="-127"/>
-                </a:rPr>
-              </a:br>
-              <a:r>
-                <a:rPr lang="ko-KR" altLang="en-US" sz="1200" b="1" u="sng" dirty="0">
-                  <a:ln>
-                    <a:solidFill>
-                      <a:schemeClr val="accent1">
-                        <a:shade val="15000"/>
-                        <a:alpha val="0"/>
-                      </a:schemeClr>
-                    </a:solidFill>
-                  </a:ln>
-                  <a:solidFill>
-                    <a:srgbClr val="3378C8"/>
-                  </a:solidFill>
-                  <a:latin typeface="맑은 고딕" panose="020B0503020000020004" pitchFamily="50" charset="-127"/>
-                  <a:ea typeface="맑은 고딕" panose="020B0503020000020004" pitchFamily="50" charset="-127"/>
-                </a:rPr>
-                <a:t>차별화된 내용</a:t>
+                <a:t>‘ </a:t>
               </a:r>
               <a:r>
                 <a:rPr lang="ko-KR" altLang="en-US" sz="1200" b="1" dirty="0">
@@ -27852,7 +27812,43 @@
                   <a:latin typeface="맑은 고딕" panose="020B0503020000020004" pitchFamily="50" charset="-127"/>
                   <a:ea typeface="맑은 고딕" panose="020B0503020000020004" pitchFamily="50" charset="-127"/>
                 </a:rPr>
-                <a:t> 제시</a:t>
+                <a:t>드래곤 </a:t>
+              </a:r>
+              <a:r>
+                <a:rPr lang="ko-KR" altLang="en-US" sz="1200" b="1" dirty="0" err="1">
+                  <a:ln>
+                    <a:solidFill>
+                      <a:schemeClr val="accent1">
+                        <a:shade val="15000"/>
+                        <a:alpha val="0"/>
+                      </a:schemeClr>
+                    </a:solidFill>
+                  </a:ln>
+                  <a:solidFill>
+                    <a:srgbClr val="3378C8"/>
+                  </a:solidFill>
+                  <a:latin typeface="맑은 고딕" panose="020B0503020000020004" pitchFamily="50" charset="-127"/>
+                  <a:ea typeface="맑은 고딕" panose="020B0503020000020004" pitchFamily="50" charset="-127"/>
+                </a:rPr>
+                <a:t>플라이트</a:t>
+              </a:r>
+              <a:r>
+                <a:rPr lang="ko-KR" altLang="en-US" sz="1200" b="1" dirty="0">
+                  <a:ln>
+                    <a:solidFill>
+                      <a:schemeClr val="accent1">
+                        <a:shade val="15000"/>
+                        <a:alpha val="0"/>
+                      </a:schemeClr>
+                    </a:solidFill>
+                  </a:ln>
+                  <a:solidFill>
+                    <a:srgbClr val="3378C8"/>
+                  </a:solidFill>
+                  <a:latin typeface="맑은 고딕" panose="020B0503020000020004" pitchFamily="50" charset="-127"/>
+                  <a:ea typeface="맑은 고딕" panose="020B0503020000020004" pitchFamily="50" charset="-127"/>
+                </a:rPr>
+                <a:t> </a:t>
               </a:r>
               <a:r>
                 <a:rPr lang="en-US" altLang="ko-KR" sz="1200" b="1" dirty="0">
@@ -27870,8 +27866,49 @@
                   <a:latin typeface="맑은 고딕" panose="020B0503020000020004" pitchFamily="50" charset="-127"/>
                   <a:ea typeface="맑은 고딕" panose="020B0503020000020004" pitchFamily="50" charset="-127"/>
                 </a:rPr>
-                <a:t> </a:t>
+                <a:t>‘</a:t>
               </a:r>
+            </a:p>
+            <a:p>
+              <a:pPr algn="ctr">
+                <a:lnSpc>
+                  <a:spcPct val="110000"/>
+                </a:lnSpc>
+                <a:defRPr/>
+              </a:pPr>
+              <a:r>
+                <a:rPr lang="ko-KR" altLang="en-US" sz="1200" dirty="0">
+                  <a:ln>
+                    <a:solidFill>
+                      <a:schemeClr val="accent1">
+                        <a:shade val="15000"/>
+                        <a:alpha val="0"/>
+                      </a:schemeClr>
+                    </a:solidFill>
+                  </a:ln>
+                  <a:solidFill>
+                    <a:srgbClr val="3378C8"/>
+                  </a:solidFill>
+                  <a:latin typeface="맑은 고딕" panose="020B0503020000020004" pitchFamily="50" charset="-127"/>
+                  <a:ea typeface="맑은 고딕" panose="020B0503020000020004" pitchFamily="50" charset="-127"/>
+                </a:rPr>
+                <a:t>웹 구현</a:t>
+              </a:r>
+              <a:endParaRPr lang="en-US" altLang="ko-KR" sz="1200" dirty="0">
+                <a:ln>
+                  <a:solidFill>
+                    <a:schemeClr val="accent1">
+                      <a:shade val="15000"/>
+                      <a:alpha val="0"/>
+                    </a:schemeClr>
+                  </a:solidFill>
+                </a:ln>
+                <a:solidFill>
+                  <a:srgbClr val="3378C8"/>
+                </a:solidFill>
+                <a:latin typeface="맑은 고딕" panose="020B0503020000020004" pitchFamily="50" charset="-127"/>
+                <a:ea typeface="맑은 고딕" panose="020B0503020000020004" pitchFamily="50" charset="-127"/>
+              </a:endParaRPr>
             </a:p>
           </p:txBody>
         </p:sp>
@@ -29154,7 +29191,7 @@
           <p:spPr>
             <a:xfrm>
               <a:off x="5275573" y="3060042"/>
-              <a:ext cx="1704241" cy="675891"/>
+              <a:ext cx="1704241" cy="371192"/>
             </a:xfrm>
             <a:prstGeom prst="rect">
               <a:avLst/>
@@ -29189,42 +29226,7 @@
                   <a:latin typeface="맑은 고딕" panose="020B0503020000020004" pitchFamily="50" charset="-127"/>
                   <a:ea typeface="맑은 고딕" panose="020B0503020000020004" pitchFamily="50" charset="-127"/>
                 </a:rPr>
-                <a:t>활용 장비 및</a:t>
-              </a:r>
-              <a:br>
-                <a:rPr lang="en-US" altLang="ko-KR" b="1" dirty="0">
-                  <a:ln>
-                    <a:solidFill>
-                      <a:schemeClr val="accent1">
-                        <a:shade val="15000"/>
-                        <a:alpha val="0"/>
-                      </a:schemeClr>
-                    </a:solidFill>
-                  </a:ln>
-                  <a:solidFill>
-                    <a:srgbClr val="3378C8"/>
-                  </a:solidFill>
-                  <a:latin typeface="맑은 고딕" panose="020B0503020000020004" pitchFamily="50" charset="-127"/>
-                  <a:ea typeface="맑은 고딕" panose="020B0503020000020004" pitchFamily="50" charset="-127"/>
-                </a:rPr>
-              </a:br>
-              <a:r>
-                <a:rPr lang="ko-KR" altLang="en-US" b="1" dirty="0">
-                  <a:ln>
-                    <a:solidFill>
-                      <a:schemeClr val="accent1">
-                        <a:shade val="15000"/>
-                        <a:alpha val="0"/>
-                      </a:schemeClr>
-                    </a:solidFill>
-                  </a:ln>
-                  <a:solidFill>
-                    <a:srgbClr val="3378C8"/>
-                  </a:solidFill>
-                  <a:latin typeface="맑은 고딕" panose="020B0503020000020004" pitchFamily="50" charset="-127"/>
-                  <a:ea typeface="맑은 고딕" panose="020B0503020000020004" pitchFamily="50" charset="-127"/>
-                </a:rPr>
-                <a:t>재료</a:t>
+                <a:t>활용 언어</a:t>
               </a:r>
               <a:endParaRPr lang="en-US" altLang="ko-KR" b="1" dirty="0">
                 <a:ln>
@@ -29259,7 +29261,7 @@
           <p:spPr>
             <a:xfrm>
               <a:off x="5064272" y="4453027"/>
-              <a:ext cx="2122307" cy="278218"/>
+              <a:ext cx="2122307" cy="684483"/>
             </a:xfrm>
             <a:prstGeom prst="rect">
               <a:avLst/>
@@ -29279,7 +29281,7 @@
                 <a:defRPr/>
               </a:pPr>
               <a:r>
-                <a:rPr lang="ko-KR" altLang="en-US" sz="1200" b="1" dirty="0">
+                <a:rPr lang="en-US" altLang="ko-KR" sz="1200" dirty="0">
                   <a:ln>
                     <a:solidFill>
                       <a:schemeClr val="accent1">
@@ -29291,10 +29293,18 @@
                   <a:latin typeface="맑은 고딕" panose="020B0503020000020004" pitchFamily="50" charset="-127"/>
                   <a:ea typeface="맑은 고딕" panose="020B0503020000020004" pitchFamily="50" charset="-127"/>
                 </a:rPr>
-                <a:t>개발환경</a:t>
+                <a:t>Html, CSS,</a:t>
               </a:r>
+            </a:p>
+            <a:p>
+              <a:pPr algn="ctr">
+                <a:lnSpc>
+                  <a:spcPct val="110000"/>
+                </a:lnSpc>
+                <a:defRPr/>
+              </a:pPr>
               <a:r>
-                <a:rPr lang="ko-KR" altLang="en-US" sz="1200" dirty="0">
+                <a:rPr lang="en-US" altLang="ko-KR" sz="1200" dirty="0">
                   <a:ln>
                     <a:solidFill>
                       <a:schemeClr val="accent1">
@@ -29306,20 +29316,31 @@
                   <a:latin typeface="맑은 고딕" panose="020B0503020000020004" pitchFamily="50" charset="-127"/>
                   <a:ea typeface="맑은 고딕" panose="020B0503020000020004" pitchFamily="50" charset="-127"/>
                 </a:rPr>
-                <a:t> 등</a:t>
+                <a:t>JAVA script,</a:t>
               </a:r>
-              <a:endParaRPr lang="en-US" altLang="ko-KR" sz="1200" dirty="0">
-                <a:ln>
-                  <a:solidFill>
-                    <a:schemeClr val="accent1">
-                      <a:shade val="15000"/>
-                      <a:alpha val="0"/>
-                    </a:schemeClr>
-                  </a:solidFill>
-                </a:ln>
-                <a:latin typeface="맑은 고딕" panose="020B0503020000020004" pitchFamily="50" charset="-127"/>
-                <a:ea typeface="맑은 고딕" panose="020B0503020000020004" pitchFamily="50" charset="-127"/>
-              </a:endParaRPr>
+            </a:p>
+            <a:p>
+              <a:pPr algn="ctr">
+                <a:lnSpc>
+                  <a:spcPct val="110000"/>
+                </a:lnSpc>
+                <a:defRPr/>
+              </a:pPr>
+              <a:r>
+                <a:rPr lang="en-US" altLang="ko-KR" sz="1200" dirty="0">
+                  <a:ln>
+                    <a:solidFill>
+                      <a:schemeClr val="accent1">
+                        <a:shade val="15000"/>
+                        <a:alpha val="0"/>
+                      </a:schemeClr>
+                    </a:solidFill>
+                  </a:ln>
+                  <a:latin typeface="맑은 고딕" panose="020B0503020000020004" pitchFamily="50" charset="-127"/>
+                  <a:ea typeface="맑은 고딕" panose="020B0503020000020004" pitchFamily="50" charset="-127"/>
+                </a:rPr>
+                <a:t>JSON</a:t>
+              </a:r>
             </a:p>
           </p:txBody>
         </p:sp>
